--- a/EmptyProject/反省会.pptx
+++ b/EmptyProject/反省会.pptx
@@ -5,6 +5,9 @@
     <p:sldMasterId id="2147483648" r:id="rId1"/>
     <p:sldMasterId id="2147483660" r:id="rId2"/>
   </p:sldMasterIdLst>
+  <p:notesMasterIdLst>
+    <p:notesMasterId r:id="rId12"/>
+  </p:notesMasterIdLst>
   <p:sldIdLst>
     <p:sldId id="256" r:id="rId3"/>
     <p:sldId id="257" r:id="rId4"/>
@@ -116,6 +119,800 @@
 </p:presentation>
 </file>
 
+<file path=ppt/notesMasters/notesMaster1.xml><?xml version="1.0" encoding="utf-8"?>
+<p:notesMaster xmlns:a="http://schemas.openxmlformats.org/drawingml/2006/main" xmlns:r="http://schemas.openxmlformats.org/officeDocument/2006/relationships" xmlns:p="http://schemas.openxmlformats.org/presentationml/2006/main">
+  <p:cSld>
+    <p:bg>
+      <p:bgRef idx="1001">
+        <a:schemeClr val="bg1"/>
+      </p:bgRef>
+    </p:bg>
+    <p:spTree>
+      <p:nvGrpSpPr>
+        <p:cNvPr id="1" name=""/>
+        <p:cNvGrpSpPr/>
+        <p:nvPr/>
+      </p:nvGrpSpPr>
+      <p:grpSpPr>
+        <a:xfrm>
+          <a:off x="0" y="0"/>
+          <a:ext cx="0" cy="0"/>
+          <a:chOff x="0" y="0"/>
+          <a:chExt cx="0" cy="0"/>
+        </a:xfrm>
+      </p:grpSpPr>
+      <p:sp>
+        <p:nvSpPr>
+          <p:cNvPr id="2" name="ヘッダー プレースホルダ 1"/>
+          <p:cNvSpPr>
+            <a:spLocks noGrp="1"/>
+          </p:cNvSpPr>
+          <p:nvPr>
+            <p:ph type="hdr" sz="quarter"/>
+          </p:nvPr>
+        </p:nvSpPr>
+        <p:spPr>
+          <a:xfrm>
+            <a:off x="0" y="0"/>
+            <a:ext cx="2971800" cy="457200"/>
+          </a:xfrm>
+          <a:prstGeom prst="rect">
+            <a:avLst/>
+          </a:prstGeom>
+        </p:spPr>
+        <p:txBody>
+          <a:bodyPr vert="horz" lIns="91440" tIns="45720" rIns="91440" bIns="45720" rtlCol="0"/>
+          <a:lstStyle>
+            <a:lvl1pPr algn="l">
+              <a:defRPr sz="1200"/>
+            </a:lvl1pPr>
+          </a:lstStyle>
+          <a:p>
+            <a:endParaRPr kumimoji="1" lang="ja-JP" altLang="en-US"/>
+          </a:p>
+        </p:txBody>
+      </p:sp>
+      <p:sp>
+        <p:nvSpPr>
+          <p:cNvPr id="3" name="日付プレースホルダ 2"/>
+          <p:cNvSpPr>
+            <a:spLocks noGrp="1"/>
+          </p:cNvSpPr>
+          <p:nvPr>
+            <p:ph type="dt" idx="1"/>
+          </p:nvPr>
+        </p:nvSpPr>
+        <p:spPr>
+          <a:xfrm>
+            <a:off x="3884613" y="0"/>
+            <a:ext cx="2971800" cy="457200"/>
+          </a:xfrm>
+          <a:prstGeom prst="rect">
+            <a:avLst/>
+          </a:prstGeom>
+        </p:spPr>
+        <p:txBody>
+          <a:bodyPr vert="horz" lIns="91440" tIns="45720" rIns="91440" bIns="45720" rtlCol="0"/>
+          <a:lstStyle>
+            <a:lvl1pPr algn="r">
+              <a:defRPr sz="1200"/>
+            </a:lvl1pPr>
+          </a:lstStyle>
+          <a:p>
+            <a:fld id="{9B9DF39A-F2C0-4972-9F9A-989F9DF51ED6}" type="datetimeFigureOut">
+              <a:rPr kumimoji="1" lang="ja-JP" altLang="en-US" smtClean="0"/>
+              <a:t>2014/6/9</a:t>
+            </a:fld>
+            <a:endParaRPr kumimoji="1" lang="ja-JP" altLang="en-US"/>
+          </a:p>
+        </p:txBody>
+      </p:sp>
+      <p:sp>
+        <p:nvSpPr>
+          <p:cNvPr id="4" name="スライド イメージ プレースホルダ 3"/>
+          <p:cNvSpPr>
+            <a:spLocks noGrp="1" noRot="1" noChangeAspect="1"/>
+          </p:cNvSpPr>
+          <p:nvPr>
+            <p:ph type="sldImg" idx="2"/>
+          </p:nvPr>
+        </p:nvSpPr>
+        <p:spPr>
+          <a:xfrm>
+            <a:off x="1143000" y="685800"/>
+            <a:ext cx="4572000" cy="3429000"/>
+          </a:xfrm>
+          <a:prstGeom prst="rect">
+            <a:avLst/>
+          </a:prstGeom>
+          <a:noFill/>
+          <a:ln w="12700">
+            <a:solidFill>
+              <a:prstClr val="black"/>
+            </a:solidFill>
+          </a:ln>
+        </p:spPr>
+        <p:txBody>
+          <a:bodyPr vert="horz" lIns="91440" tIns="45720" rIns="91440" bIns="45720" rtlCol="0" anchor="ctr"/>
+          <a:lstStyle/>
+          <a:p>
+            <a:endParaRPr lang="ja-JP" altLang="en-US"/>
+          </a:p>
+        </p:txBody>
+      </p:sp>
+      <p:sp>
+        <p:nvSpPr>
+          <p:cNvPr id="5" name="ノート プレースホルダ 4"/>
+          <p:cNvSpPr>
+            <a:spLocks noGrp="1"/>
+          </p:cNvSpPr>
+          <p:nvPr>
+            <p:ph type="body" sz="quarter" idx="3"/>
+          </p:nvPr>
+        </p:nvSpPr>
+        <p:spPr>
+          <a:xfrm>
+            <a:off x="685800" y="4343400"/>
+            <a:ext cx="5486400" cy="4114800"/>
+          </a:xfrm>
+          <a:prstGeom prst="rect">
+            <a:avLst/>
+          </a:prstGeom>
+        </p:spPr>
+        <p:txBody>
+          <a:bodyPr vert="horz" lIns="91440" tIns="45720" rIns="91440" bIns="45720" rtlCol="0">
+            <a:normAutofit/>
+          </a:bodyPr>
+          <a:lstStyle/>
+          <a:p>
+            <a:pPr lvl="0"/>
+            <a:r>
+              <a:rPr kumimoji="1" lang="ja-JP" altLang="en-US" smtClean="0"/>
+              <a:t>マスタ テキストの書式設定</a:t>
+            </a:r>
+          </a:p>
+          <a:p>
+            <a:pPr lvl="1"/>
+            <a:r>
+              <a:rPr kumimoji="1" lang="ja-JP" altLang="en-US" smtClean="0"/>
+              <a:t>第 </a:t>
+            </a:r>
+            <a:r>
+              <a:rPr kumimoji="1" lang="en-US" altLang="ja-JP" smtClean="0"/>
+              <a:t>2 </a:t>
+            </a:r>
+            <a:r>
+              <a:rPr kumimoji="1" lang="ja-JP" altLang="en-US" smtClean="0"/>
+              <a:t>レベル</a:t>
+            </a:r>
+          </a:p>
+          <a:p>
+            <a:pPr lvl="2"/>
+            <a:r>
+              <a:rPr kumimoji="1" lang="ja-JP" altLang="en-US" smtClean="0"/>
+              <a:t>第 </a:t>
+            </a:r>
+            <a:r>
+              <a:rPr kumimoji="1" lang="en-US" altLang="ja-JP" smtClean="0"/>
+              <a:t>3 </a:t>
+            </a:r>
+            <a:r>
+              <a:rPr kumimoji="1" lang="ja-JP" altLang="en-US" smtClean="0"/>
+              <a:t>レベル</a:t>
+            </a:r>
+          </a:p>
+          <a:p>
+            <a:pPr lvl="3"/>
+            <a:r>
+              <a:rPr kumimoji="1" lang="ja-JP" altLang="en-US" smtClean="0"/>
+              <a:t>第 </a:t>
+            </a:r>
+            <a:r>
+              <a:rPr kumimoji="1" lang="en-US" altLang="ja-JP" smtClean="0"/>
+              <a:t>4 </a:t>
+            </a:r>
+            <a:r>
+              <a:rPr kumimoji="1" lang="ja-JP" altLang="en-US" smtClean="0"/>
+              <a:t>レベル</a:t>
+            </a:r>
+          </a:p>
+          <a:p>
+            <a:pPr lvl="4"/>
+            <a:r>
+              <a:rPr kumimoji="1" lang="ja-JP" altLang="en-US" smtClean="0"/>
+              <a:t>第 </a:t>
+            </a:r>
+            <a:r>
+              <a:rPr kumimoji="1" lang="en-US" altLang="ja-JP" smtClean="0"/>
+              <a:t>5 </a:t>
+            </a:r>
+            <a:r>
+              <a:rPr kumimoji="1" lang="ja-JP" altLang="en-US" smtClean="0"/>
+              <a:t>レベル</a:t>
+            </a:r>
+            <a:endParaRPr kumimoji="1" lang="ja-JP" altLang="en-US"/>
+          </a:p>
+        </p:txBody>
+      </p:sp>
+      <p:sp>
+        <p:nvSpPr>
+          <p:cNvPr id="6" name="フッター プレースホルダ 5"/>
+          <p:cNvSpPr>
+            <a:spLocks noGrp="1"/>
+          </p:cNvSpPr>
+          <p:nvPr>
+            <p:ph type="ftr" sz="quarter" idx="4"/>
+          </p:nvPr>
+        </p:nvSpPr>
+        <p:spPr>
+          <a:xfrm>
+            <a:off x="0" y="8685213"/>
+            <a:ext cx="2971800" cy="457200"/>
+          </a:xfrm>
+          <a:prstGeom prst="rect">
+            <a:avLst/>
+          </a:prstGeom>
+        </p:spPr>
+        <p:txBody>
+          <a:bodyPr vert="horz" lIns="91440" tIns="45720" rIns="91440" bIns="45720" rtlCol="0" anchor="b"/>
+          <a:lstStyle>
+            <a:lvl1pPr algn="l">
+              <a:defRPr sz="1200"/>
+            </a:lvl1pPr>
+          </a:lstStyle>
+          <a:p>
+            <a:endParaRPr kumimoji="1" lang="ja-JP" altLang="en-US"/>
+          </a:p>
+        </p:txBody>
+      </p:sp>
+      <p:sp>
+        <p:nvSpPr>
+          <p:cNvPr id="7" name="スライド番号プレースホルダ 6"/>
+          <p:cNvSpPr>
+            <a:spLocks noGrp="1"/>
+          </p:cNvSpPr>
+          <p:nvPr>
+            <p:ph type="sldNum" sz="quarter" idx="5"/>
+          </p:nvPr>
+        </p:nvSpPr>
+        <p:spPr>
+          <a:xfrm>
+            <a:off x="3884613" y="8685213"/>
+            <a:ext cx="2971800" cy="457200"/>
+          </a:xfrm>
+          <a:prstGeom prst="rect">
+            <a:avLst/>
+          </a:prstGeom>
+        </p:spPr>
+        <p:txBody>
+          <a:bodyPr vert="horz" lIns="91440" tIns="45720" rIns="91440" bIns="45720" rtlCol="0" anchor="b"/>
+          <a:lstStyle>
+            <a:lvl1pPr algn="r">
+              <a:defRPr sz="1200"/>
+            </a:lvl1pPr>
+          </a:lstStyle>
+          <a:p>
+            <a:fld id="{29E5460F-1533-4527-80FD-9BE5B19D2A82}" type="slidenum">
+              <a:rPr kumimoji="1" lang="ja-JP" altLang="en-US" smtClean="0"/>
+              <a:t>&lt;#&gt;</a:t>
+            </a:fld>
+            <a:endParaRPr kumimoji="1" lang="ja-JP" altLang="en-US"/>
+          </a:p>
+        </p:txBody>
+      </p:sp>
+    </p:spTree>
+  </p:cSld>
+  <p:clrMap bg1="lt1" tx1="dk1" bg2="lt2" tx2="dk2" accent1="accent1" accent2="accent2" accent3="accent3" accent4="accent4" accent5="accent5" accent6="accent6" hlink="hlink" folHlink="folHlink"/>
+  <p:notesStyle>
+    <a:lvl1pPr marL="0" algn="l" defTabSz="914400" rtl="0" eaLnBrk="1" latinLnBrk="0" hangingPunct="1">
+      <a:defRPr kumimoji="1" sz="1200" kern="1200">
+        <a:solidFill>
+          <a:schemeClr val="tx1"/>
+        </a:solidFill>
+        <a:latin typeface="+mn-lt"/>
+        <a:ea typeface="+mn-ea"/>
+        <a:cs typeface="+mn-cs"/>
+      </a:defRPr>
+    </a:lvl1pPr>
+    <a:lvl2pPr marL="457200" algn="l" defTabSz="914400" rtl="0" eaLnBrk="1" latinLnBrk="0" hangingPunct="1">
+      <a:defRPr kumimoji="1" sz="1200" kern="1200">
+        <a:solidFill>
+          <a:schemeClr val="tx1"/>
+        </a:solidFill>
+        <a:latin typeface="+mn-lt"/>
+        <a:ea typeface="+mn-ea"/>
+        <a:cs typeface="+mn-cs"/>
+      </a:defRPr>
+    </a:lvl2pPr>
+    <a:lvl3pPr marL="914400" algn="l" defTabSz="914400" rtl="0" eaLnBrk="1" latinLnBrk="0" hangingPunct="1">
+      <a:defRPr kumimoji="1" sz="1200" kern="1200">
+        <a:solidFill>
+          <a:schemeClr val="tx1"/>
+        </a:solidFill>
+        <a:latin typeface="+mn-lt"/>
+        <a:ea typeface="+mn-ea"/>
+        <a:cs typeface="+mn-cs"/>
+      </a:defRPr>
+    </a:lvl3pPr>
+    <a:lvl4pPr marL="1371600" algn="l" defTabSz="914400" rtl="0" eaLnBrk="1" latinLnBrk="0" hangingPunct="1">
+      <a:defRPr kumimoji="1" sz="1200" kern="1200">
+        <a:solidFill>
+          <a:schemeClr val="tx1"/>
+        </a:solidFill>
+        <a:latin typeface="+mn-lt"/>
+        <a:ea typeface="+mn-ea"/>
+        <a:cs typeface="+mn-cs"/>
+      </a:defRPr>
+    </a:lvl4pPr>
+    <a:lvl5pPr marL="1828800" algn="l" defTabSz="914400" rtl="0" eaLnBrk="1" latinLnBrk="0" hangingPunct="1">
+      <a:defRPr kumimoji="1" sz="1200" kern="1200">
+        <a:solidFill>
+          <a:schemeClr val="tx1"/>
+        </a:solidFill>
+        <a:latin typeface="+mn-lt"/>
+        <a:ea typeface="+mn-ea"/>
+        <a:cs typeface="+mn-cs"/>
+      </a:defRPr>
+    </a:lvl5pPr>
+    <a:lvl6pPr marL="2286000" algn="l" defTabSz="914400" rtl="0" eaLnBrk="1" latinLnBrk="0" hangingPunct="1">
+      <a:defRPr kumimoji="1" sz="1200" kern="1200">
+        <a:solidFill>
+          <a:schemeClr val="tx1"/>
+        </a:solidFill>
+        <a:latin typeface="+mn-lt"/>
+        <a:ea typeface="+mn-ea"/>
+        <a:cs typeface="+mn-cs"/>
+      </a:defRPr>
+    </a:lvl6pPr>
+    <a:lvl7pPr marL="2743200" algn="l" defTabSz="914400" rtl="0" eaLnBrk="1" latinLnBrk="0" hangingPunct="1">
+      <a:defRPr kumimoji="1" sz="1200" kern="1200">
+        <a:solidFill>
+          <a:schemeClr val="tx1"/>
+        </a:solidFill>
+        <a:latin typeface="+mn-lt"/>
+        <a:ea typeface="+mn-ea"/>
+        <a:cs typeface="+mn-cs"/>
+      </a:defRPr>
+    </a:lvl7pPr>
+    <a:lvl8pPr marL="3200400" algn="l" defTabSz="914400" rtl="0" eaLnBrk="1" latinLnBrk="0" hangingPunct="1">
+      <a:defRPr kumimoji="1" sz="1200" kern="1200">
+        <a:solidFill>
+          <a:schemeClr val="tx1"/>
+        </a:solidFill>
+        <a:latin typeface="+mn-lt"/>
+        <a:ea typeface="+mn-ea"/>
+        <a:cs typeface="+mn-cs"/>
+      </a:defRPr>
+    </a:lvl8pPr>
+    <a:lvl9pPr marL="3657600" algn="l" defTabSz="914400" rtl="0" eaLnBrk="1" latinLnBrk="0" hangingPunct="1">
+      <a:defRPr kumimoji="1" sz="1200" kern="1200">
+        <a:solidFill>
+          <a:schemeClr val="tx1"/>
+        </a:solidFill>
+        <a:latin typeface="+mn-lt"/>
+        <a:ea typeface="+mn-ea"/>
+        <a:cs typeface="+mn-cs"/>
+      </a:defRPr>
+    </a:lvl9pPr>
+  </p:notesStyle>
+</p:notesMaster>
+</file>
+
+<file path=ppt/notesSlides/notesSlide1.xml><?xml version="1.0" encoding="utf-8"?>
+<p:notes xmlns:a="http://schemas.openxmlformats.org/drawingml/2006/main" xmlns:r="http://schemas.openxmlformats.org/officeDocument/2006/relationships" xmlns:p="http://schemas.openxmlformats.org/presentationml/2006/main">
+  <p:cSld>
+    <p:spTree>
+      <p:nvGrpSpPr>
+        <p:cNvPr id="1" name=""/>
+        <p:cNvGrpSpPr/>
+        <p:nvPr/>
+      </p:nvGrpSpPr>
+      <p:grpSpPr>
+        <a:xfrm>
+          <a:off x="0" y="0"/>
+          <a:ext cx="0" cy="0"/>
+          <a:chOff x="0" y="0"/>
+          <a:chExt cx="0" cy="0"/>
+        </a:xfrm>
+      </p:grpSpPr>
+      <p:sp>
+        <p:nvSpPr>
+          <p:cNvPr id="2" name="スライド イメージ プレースホルダ 1"/>
+          <p:cNvSpPr>
+            <a:spLocks noGrp="1" noRot="1" noChangeAspect="1"/>
+          </p:cNvSpPr>
+          <p:nvPr>
+            <p:ph type="sldImg"/>
+          </p:nvPr>
+        </p:nvSpPr>
+        <p:spPr/>
+      </p:sp>
+      <p:sp>
+        <p:nvSpPr>
+          <p:cNvPr id="3" name="ノート プレースホルダ 2"/>
+          <p:cNvSpPr>
+            <a:spLocks noGrp="1"/>
+          </p:cNvSpPr>
+          <p:nvPr>
+            <p:ph type="body" idx="1"/>
+          </p:nvPr>
+        </p:nvSpPr>
+        <p:spPr/>
+        <p:txBody>
+          <a:bodyPr>
+            <a:normAutofit/>
+          </a:bodyPr>
+          <a:lstStyle/>
+          <a:p>
+            <a:r>
+              <a:rPr kumimoji="1" lang="ja-JP" altLang="en-US" dirty="0" smtClean="0"/>
+              <a:t>プログラマの小山ですよろしくお願いします。社内研修でやったことを説明してからコードの説明をして、レビューをいただこうと思います。ですが、途中でもおかしなところがあればその都度突っ込んでいただけるとありがたいです。</a:t>
+            </a:r>
+            <a:endParaRPr kumimoji="1" lang="ja-JP" altLang="en-US" dirty="0"/>
+          </a:p>
+        </p:txBody>
+      </p:sp>
+      <p:sp>
+        <p:nvSpPr>
+          <p:cNvPr id="4" name="スライド番号プレースホルダ 3"/>
+          <p:cNvSpPr>
+            <a:spLocks noGrp="1"/>
+          </p:cNvSpPr>
+          <p:nvPr>
+            <p:ph type="sldNum" sz="quarter" idx="10"/>
+          </p:nvPr>
+        </p:nvSpPr>
+        <p:spPr/>
+        <p:txBody>
+          <a:bodyPr/>
+          <a:lstStyle/>
+          <a:p>
+            <a:fld id="{29E5460F-1533-4527-80FD-9BE5B19D2A82}" type="slidenum">
+              <a:rPr kumimoji="1" lang="ja-JP" altLang="en-US" smtClean="0"/>
+              <a:t>4</a:t>
+            </a:fld>
+            <a:endParaRPr kumimoji="1" lang="ja-JP" altLang="en-US"/>
+          </a:p>
+        </p:txBody>
+      </p:sp>
+    </p:spTree>
+  </p:cSld>
+  <p:clrMapOvr>
+    <a:masterClrMapping/>
+  </p:clrMapOvr>
+</p:notes>
+</file>
+
+<file path=ppt/notesSlides/notesSlide2.xml><?xml version="1.0" encoding="utf-8"?>
+<p:notes xmlns:a="http://schemas.openxmlformats.org/drawingml/2006/main" xmlns:r="http://schemas.openxmlformats.org/officeDocument/2006/relationships" xmlns:p="http://schemas.openxmlformats.org/presentationml/2006/main">
+  <p:cSld>
+    <p:spTree>
+      <p:nvGrpSpPr>
+        <p:cNvPr id="1" name=""/>
+        <p:cNvGrpSpPr/>
+        <p:nvPr/>
+      </p:nvGrpSpPr>
+      <p:grpSpPr>
+        <a:xfrm>
+          <a:off x="0" y="0"/>
+          <a:ext cx="0" cy="0"/>
+          <a:chOff x="0" y="0"/>
+          <a:chExt cx="0" cy="0"/>
+        </a:xfrm>
+      </p:grpSpPr>
+      <p:sp>
+        <p:nvSpPr>
+          <p:cNvPr id="2" name="スライド イメージ プレースホルダ 1"/>
+          <p:cNvSpPr>
+            <a:spLocks noGrp="1" noRot="1" noChangeAspect="1"/>
+          </p:cNvSpPr>
+          <p:nvPr>
+            <p:ph type="sldImg"/>
+          </p:nvPr>
+        </p:nvSpPr>
+        <p:spPr/>
+      </p:sp>
+      <p:sp>
+        <p:nvSpPr>
+          <p:cNvPr id="3" name="ノート プレースホルダ 2"/>
+          <p:cNvSpPr>
+            <a:spLocks noGrp="1"/>
+          </p:cNvSpPr>
+          <p:nvPr>
+            <p:ph type="body" idx="1"/>
+          </p:nvPr>
+        </p:nvSpPr>
+        <p:spPr/>
+        <p:txBody>
+          <a:bodyPr>
+            <a:normAutofit/>
+          </a:bodyPr>
+          <a:lstStyle/>
+          <a:p>
+            <a:r>
+              <a:rPr kumimoji="1" lang="ja-JP" altLang="en-US" dirty="0" smtClean="0"/>
+              <a:t>まず、作ったものの説明からしたいと思います。研修のテーマというか作るものの題材としてブロック崩しが題材でした。</a:t>
+            </a:r>
+            <a:endParaRPr kumimoji="1" lang="en-US" altLang="ja-JP" dirty="0" smtClean="0"/>
+          </a:p>
+          <a:p>
+            <a:r>
+              <a:rPr kumimoji="1" lang="ja-JP" altLang="en-US" dirty="0" smtClean="0"/>
+              <a:t>これは岡田さんにまずブロック崩しの仕様をいただいてそれをもとに自分なりにアレンジして作りました。</a:t>
+            </a:r>
+            <a:endParaRPr kumimoji="1" lang="en-US" altLang="ja-JP" dirty="0" smtClean="0"/>
+          </a:p>
+          <a:p>
+            <a:r>
+              <a:rPr kumimoji="1" lang="ja-JP" altLang="en-US" dirty="0" smtClean="0"/>
+              <a:t>目的は私自身の能力を把握してもらうこととその能力の向上が主な目的だと思います。</a:t>
+            </a:r>
+            <a:endParaRPr kumimoji="1" lang="en-US" altLang="ja-JP" dirty="0" smtClean="0"/>
+          </a:p>
+          <a:p>
+            <a:r>
+              <a:rPr kumimoji="1" lang="ja-JP" altLang="en-US" dirty="0" smtClean="0"/>
+              <a:t>あとは、私の視点からいうと入社３カ月たったときに行われる研修発表の資料としてという目的もありました。</a:t>
+            </a:r>
+            <a:endParaRPr kumimoji="1" lang="en-US" altLang="ja-JP" dirty="0" smtClean="0"/>
+          </a:p>
+          <a:p>
+            <a:r>
+              <a:rPr kumimoji="1" lang="ja-JP" altLang="en-US" dirty="0" smtClean="0"/>
+              <a:t>手順というか流れは次のスライドで説明します。</a:t>
+            </a:r>
+            <a:endParaRPr kumimoji="1" lang="ja-JP" altLang="en-US" dirty="0"/>
+          </a:p>
+        </p:txBody>
+      </p:sp>
+      <p:sp>
+        <p:nvSpPr>
+          <p:cNvPr id="4" name="スライド番号プレースホルダ 3"/>
+          <p:cNvSpPr>
+            <a:spLocks noGrp="1"/>
+          </p:cNvSpPr>
+          <p:nvPr>
+            <p:ph type="sldNum" sz="quarter" idx="10"/>
+          </p:nvPr>
+        </p:nvSpPr>
+        <p:spPr/>
+        <p:txBody>
+          <a:bodyPr/>
+          <a:lstStyle/>
+          <a:p>
+            <a:fld id="{29E5460F-1533-4527-80FD-9BE5B19D2A82}" type="slidenum">
+              <a:rPr kumimoji="1" lang="ja-JP" altLang="en-US" smtClean="0"/>
+              <a:t>5</a:t>
+            </a:fld>
+            <a:endParaRPr kumimoji="1" lang="ja-JP" altLang="en-US"/>
+          </a:p>
+        </p:txBody>
+      </p:sp>
+    </p:spTree>
+  </p:cSld>
+  <p:clrMapOvr>
+    <a:masterClrMapping/>
+  </p:clrMapOvr>
+</p:notes>
+</file>
+
+<file path=ppt/notesSlides/notesSlide3.xml><?xml version="1.0" encoding="utf-8"?>
+<p:notes xmlns:a="http://schemas.openxmlformats.org/drawingml/2006/main" xmlns:r="http://schemas.openxmlformats.org/officeDocument/2006/relationships" xmlns:p="http://schemas.openxmlformats.org/presentationml/2006/main">
+  <p:cSld>
+    <p:spTree>
+      <p:nvGrpSpPr>
+        <p:cNvPr id="1" name=""/>
+        <p:cNvGrpSpPr/>
+        <p:nvPr/>
+      </p:nvGrpSpPr>
+      <p:grpSpPr>
+        <a:xfrm>
+          <a:off x="0" y="0"/>
+          <a:ext cx="0" cy="0"/>
+          <a:chOff x="0" y="0"/>
+          <a:chExt cx="0" cy="0"/>
+        </a:xfrm>
+      </p:grpSpPr>
+      <p:sp>
+        <p:nvSpPr>
+          <p:cNvPr id="2" name="スライド イメージ プレースホルダ 1"/>
+          <p:cNvSpPr>
+            <a:spLocks noGrp="1" noRot="1" noChangeAspect="1"/>
+          </p:cNvSpPr>
+          <p:nvPr>
+            <p:ph type="sldImg"/>
+          </p:nvPr>
+        </p:nvSpPr>
+        <p:spPr/>
+      </p:sp>
+      <p:sp>
+        <p:nvSpPr>
+          <p:cNvPr id="3" name="ノート プレースホルダ 2"/>
+          <p:cNvSpPr>
+            <a:spLocks noGrp="1"/>
+          </p:cNvSpPr>
+          <p:nvPr>
+            <p:ph type="body" idx="1"/>
+          </p:nvPr>
+        </p:nvSpPr>
+        <p:spPr/>
+        <p:txBody>
+          <a:bodyPr>
+            <a:normAutofit/>
+          </a:bodyPr>
+          <a:lstStyle/>
+          <a:p>
+            <a:r>
+              <a:rPr kumimoji="1" lang="ja-JP" altLang="en-US" dirty="0" smtClean="0"/>
+              <a:t>流れとしては４月中にまず</a:t>
+            </a:r>
+            <a:r>
+              <a:rPr kumimoji="1" lang="en-US" altLang="ja-JP" dirty="0" smtClean="0"/>
+              <a:t>PC</a:t>
+            </a:r>
+            <a:r>
+              <a:rPr kumimoji="1" lang="ja-JP" altLang="en-US" dirty="0" smtClean="0"/>
+              <a:t>環境の準備をして、それから設計とちょっとした</a:t>
+            </a:r>
+            <a:r>
+              <a:rPr kumimoji="1" lang="en-US" altLang="ja-JP" dirty="0" smtClean="0"/>
+              <a:t>Utility</a:t>
+            </a:r>
+            <a:r>
+              <a:rPr kumimoji="1" lang="ja-JP" altLang="en-US" dirty="0" smtClean="0"/>
+              <a:t>を実装しました。ですが、４月中は社内にいることのできる時間が限られていた上に他にも課題があったのでほとんど進められてはいませんでした。</a:t>
+            </a:r>
+            <a:endParaRPr kumimoji="1" lang="en-US" altLang="ja-JP" dirty="0" smtClean="0"/>
+          </a:p>
+          <a:p>
+            <a:r>
+              <a:rPr kumimoji="1" lang="ja-JP" altLang="en-US" dirty="0" smtClean="0"/>
+              <a:t>５月から本格的に作り始め２週目の終りに岡田さんからレビューをいただき、それ以降は日に</a:t>
+            </a:r>
+            <a:r>
+              <a:rPr kumimoji="1" lang="en-US" altLang="ja-JP" dirty="0" smtClean="0"/>
+              <a:t>1</a:t>
+            </a:r>
+            <a:r>
+              <a:rPr kumimoji="1" lang="ja-JP" altLang="en-US" dirty="0" smtClean="0"/>
+              <a:t>回くらいのペースでレビューをしていただき、指摘された部分を自分なりに修正していきました。この修正ではゲーム部分ではなくほとんどコードに関しての修正でした。その後、６月の第一週目の火曜日から４日間は自分なりに作り今日にいたります。</a:t>
+            </a:r>
+            <a:endParaRPr kumimoji="1" lang="en-US" altLang="ja-JP" dirty="0" smtClean="0"/>
+          </a:p>
+        </p:txBody>
+      </p:sp>
+      <p:sp>
+        <p:nvSpPr>
+          <p:cNvPr id="4" name="スライド番号プレースホルダ 3"/>
+          <p:cNvSpPr>
+            <a:spLocks noGrp="1"/>
+          </p:cNvSpPr>
+          <p:nvPr>
+            <p:ph type="sldNum" sz="quarter" idx="10"/>
+          </p:nvPr>
+        </p:nvSpPr>
+        <p:spPr/>
+        <p:txBody>
+          <a:bodyPr/>
+          <a:lstStyle/>
+          <a:p>
+            <a:fld id="{29E5460F-1533-4527-80FD-9BE5B19D2A82}" type="slidenum">
+              <a:rPr kumimoji="1" lang="ja-JP" altLang="en-US" smtClean="0"/>
+              <a:t>6</a:t>
+            </a:fld>
+            <a:endParaRPr kumimoji="1" lang="ja-JP" altLang="en-US"/>
+          </a:p>
+        </p:txBody>
+      </p:sp>
+    </p:spTree>
+  </p:cSld>
+  <p:clrMapOvr>
+    <a:masterClrMapping/>
+  </p:clrMapOvr>
+</p:notes>
+</file>
+
+<file path=ppt/notesSlides/notesSlide4.xml><?xml version="1.0" encoding="utf-8"?>
+<p:notes xmlns:a="http://schemas.openxmlformats.org/drawingml/2006/main" xmlns:r="http://schemas.openxmlformats.org/officeDocument/2006/relationships" xmlns:p="http://schemas.openxmlformats.org/presentationml/2006/main">
+  <p:cSld>
+    <p:spTree>
+      <p:nvGrpSpPr>
+        <p:cNvPr id="1" name=""/>
+        <p:cNvGrpSpPr/>
+        <p:nvPr/>
+      </p:nvGrpSpPr>
+      <p:grpSpPr>
+        <a:xfrm>
+          <a:off x="0" y="0"/>
+          <a:ext cx="0" cy="0"/>
+          <a:chOff x="0" y="0"/>
+          <a:chExt cx="0" cy="0"/>
+        </a:xfrm>
+      </p:grpSpPr>
+      <p:sp>
+        <p:nvSpPr>
+          <p:cNvPr id="2" name="スライド イメージ プレースホルダ 1"/>
+          <p:cNvSpPr>
+            <a:spLocks noGrp="1" noRot="1" noChangeAspect="1"/>
+          </p:cNvSpPr>
+          <p:nvPr>
+            <p:ph type="sldImg"/>
+          </p:nvPr>
+        </p:nvSpPr>
+        <p:spPr/>
+      </p:sp>
+      <p:sp>
+        <p:nvSpPr>
+          <p:cNvPr id="3" name="ノート プレースホルダ 2"/>
+          <p:cNvSpPr>
+            <a:spLocks noGrp="1"/>
+          </p:cNvSpPr>
+          <p:nvPr>
+            <p:ph type="body" idx="1"/>
+          </p:nvPr>
+        </p:nvSpPr>
+        <p:spPr/>
+        <p:txBody>
+          <a:bodyPr>
+            <a:normAutofit/>
+          </a:bodyPr>
+          <a:lstStyle/>
+          <a:p>
+            <a:r>
+              <a:rPr kumimoji="1" lang="ja-JP" altLang="en-US" dirty="0" smtClean="0"/>
+              <a:t>それでは</a:t>
+            </a:r>
+            <a:r>
+              <a:rPr kumimoji="1" lang="en-US" altLang="ja-JP" dirty="0" smtClean="0"/>
+              <a:t>UML</a:t>
+            </a:r>
+            <a:r>
+              <a:rPr kumimoji="1" lang="ja-JP" altLang="en-US" dirty="0" smtClean="0"/>
+              <a:t>を見ていた</a:t>
+            </a:r>
+            <a:r>
+              <a:rPr kumimoji="1" lang="ja-JP" altLang="en-US" dirty="0" err="1" smtClean="0"/>
+              <a:t>だ</a:t>
+            </a:r>
+            <a:r>
+              <a:rPr kumimoji="1" lang="ja-JP" altLang="en-US" dirty="0" smtClean="0"/>
+              <a:t>こきます。</a:t>
+            </a:r>
+            <a:endParaRPr kumimoji="1" lang="ja-JP" altLang="en-US" dirty="0"/>
+          </a:p>
+        </p:txBody>
+      </p:sp>
+      <p:sp>
+        <p:nvSpPr>
+          <p:cNvPr id="4" name="スライド番号プレースホルダ 3"/>
+          <p:cNvSpPr>
+            <a:spLocks noGrp="1"/>
+          </p:cNvSpPr>
+          <p:nvPr>
+            <p:ph type="sldNum" sz="quarter" idx="10"/>
+          </p:nvPr>
+        </p:nvSpPr>
+        <p:spPr/>
+        <p:txBody>
+          <a:bodyPr/>
+          <a:lstStyle/>
+          <a:p>
+            <a:fld id="{29E5460F-1533-4527-80FD-9BE5B19D2A82}" type="slidenum">
+              <a:rPr kumimoji="1" lang="ja-JP" altLang="en-US" smtClean="0"/>
+              <a:t>7</a:t>
+            </a:fld>
+            <a:endParaRPr kumimoji="1" lang="ja-JP" altLang="en-US"/>
+          </a:p>
+        </p:txBody>
+      </p:sp>
+    </p:spTree>
+  </p:cSld>
+  <p:clrMapOvr>
+    <a:masterClrMapping/>
+  </p:clrMapOvr>
+</p:notes>
+</file>
+
 <file path=ppt/slideLayouts/slideLayout1.xml><?xml version="1.0" encoding="utf-8"?>
 <p:sldLayout xmlns:a="http://schemas.openxmlformats.org/drawingml/2006/main" xmlns:r="http://schemas.openxmlformats.org/officeDocument/2006/relationships" xmlns:p="http://schemas.openxmlformats.org/presentationml/2006/main" type="title" preserve="1">
   <p:cSld name="タイトル スライド">
@@ -297,6 +1094,7 @@
           <a:p>
             <a:fld id="{11CCE281-936E-4570-AFCE-DB6E94A08206}" type="datetimeFigureOut">
               <a:rPr kumimoji="1" lang="ja-JP" altLang="en-US" smtClean="0"/>
+              <a:pPr/>
               <a:t>2014/6/9</a:t>
             </a:fld>
             <a:endParaRPr kumimoji="1" lang="ja-JP" altLang="en-US"/>
@@ -339,7 +1137,8 @@
           <a:p>
             <a:fld id="{7C9BC547-5DD1-4C2D-824C-59530324CC5D}" type="slidenum">
               <a:rPr kumimoji="1" lang="ja-JP" altLang="en-US" smtClean="0"/>
-              <a:t>‹#›</a:t>
+              <a:pPr/>
+              <a:t>&lt;#&gt;</a:t>
             </a:fld>
             <a:endParaRPr kumimoji="1" lang="ja-JP" altLang="en-US"/>
           </a:p>
@@ -348,7 +1147,7 @@
     </p:spTree>
     <p:extLst>
       <p:ext uri="{BB962C8B-B14F-4D97-AF65-F5344CB8AC3E}">
-        <p14:creationId xmlns:p14="http://schemas.microsoft.com/office/powerpoint/2010/main" val="2517757181"/>
+        <p14:creationId xmlns:p14="http://schemas.microsoft.com/office/powerpoint/2010/main" xmlns="" val="2517757181"/>
       </p:ext>
     </p:extLst>
   </p:cSld>
@@ -499,6 +1298,7 @@
           <a:p>
             <a:fld id="{11CCE281-936E-4570-AFCE-DB6E94A08206}" type="datetimeFigureOut">
               <a:rPr kumimoji="1" lang="ja-JP" altLang="en-US" smtClean="0"/>
+              <a:pPr/>
               <a:t>2014/6/9</a:t>
             </a:fld>
             <a:endParaRPr kumimoji="1" lang="ja-JP" altLang="en-US"/>
@@ -541,7 +1341,8 @@
           <a:p>
             <a:fld id="{7C9BC547-5DD1-4C2D-824C-59530324CC5D}" type="slidenum">
               <a:rPr kumimoji="1" lang="ja-JP" altLang="en-US" smtClean="0"/>
-              <a:t>‹#›</a:t>
+              <a:pPr/>
+              <a:t>&lt;#&gt;</a:t>
             </a:fld>
             <a:endParaRPr kumimoji="1" lang="ja-JP" altLang="en-US"/>
           </a:p>
@@ -550,7 +1351,7 @@
     </p:spTree>
     <p:extLst>
       <p:ext uri="{BB962C8B-B14F-4D97-AF65-F5344CB8AC3E}">
-        <p14:creationId xmlns:p14="http://schemas.microsoft.com/office/powerpoint/2010/main" val="2287796222"/>
+        <p14:creationId xmlns:p14="http://schemas.microsoft.com/office/powerpoint/2010/main" xmlns="" val="2287796222"/>
       </p:ext>
     </p:extLst>
   </p:cSld>
@@ -711,6 +1512,7 @@
           <a:p>
             <a:fld id="{11CCE281-936E-4570-AFCE-DB6E94A08206}" type="datetimeFigureOut">
               <a:rPr kumimoji="1" lang="ja-JP" altLang="en-US" smtClean="0"/>
+              <a:pPr/>
               <a:t>2014/6/9</a:t>
             </a:fld>
             <a:endParaRPr kumimoji="1" lang="ja-JP" altLang="en-US"/>
@@ -753,7 +1555,8 @@
           <a:p>
             <a:fld id="{7C9BC547-5DD1-4C2D-824C-59530324CC5D}" type="slidenum">
               <a:rPr kumimoji="1" lang="ja-JP" altLang="en-US" smtClean="0"/>
-              <a:t>‹#›</a:t>
+              <a:pPr/>
+              <a:t>&lt;#&gt;</a:t>
             </a:fld>
             <a:endParaRPr kumimoji="1" lang="ja-JP" altLang="en-US"/>
           </a:p>
@@ -762,7 +1565,7 @@
     </p:spTree>
     <p:extLst>
       <p:ext uri="{BB962C8B-B14F-4D97-AF65-F5344CB8AC3E}">
-        <p14:creationId xmlns:p14="http://schemas.microsoft.com/office/powerpoint/2010/main" val="293519348"/>
+        <p14:creationId xmlns:p14="http://schemas.microsoft.com/office/powerpoint/2010/main" xmlns="" val="293519348"/>
       </p:ext>
     </p:extLst>
   </p:cSld>
@@ -965,6 +1768,7 @@
           <a:p>
             <a:fld id="{11CCE281-936E-4570-AFCE-DB6E94A08206}" type="datetimeFigureOut">
               <a:rPr kumimoji="1" lang="ja-JP" altLang="en-US" smtClean="0"/>
+              <a:pPr/>
               <a:t>2014/6/9</a:t>
             </a:fld>
             <a:endParaRPr kumimoji="1" lang="ja-JP" altLang="en-US"/>
@@ -1107,7 +1911,8 @@
           <a:p>
             <a:fld id="{7C9BC547-5DD1-4C2D-824C-59530324CC5D}" type="slidenum">
               <a:rPr kumimoji="1" lang="ja-JP" altLang="en-US" smtClean="0"/>
-              <a:t>‹#›</a:t>
+              <a:pPr/>
+              <a:t>&lt;#&gt;</a:t>
             </a:fld>
             <a:endParaRPr kumimoji="1" lang="ja-JP" altLang="en-US"/>
           </a:p>
@@ -1262,6 +2067,7 @@
           <a:p>
             <a:fld id="{11CCE281-936E-4570-AFCE-DB6E94A08206}" type="datetimeFigureOut">
               <a:rPr kumimoji="1" lang="ja-JP" altLang="en-US" smtClean="0"/>
+              <a:pPr/>
               <a:t>2014/6/9</a:t>
             </a:fld>
             <a:endParaRPr kumimoji="1" lang="ja-JP" altLang="en-US"/>
@@ -1304,7 +2110,8 @@
           <a:p>
             <a:fld id="{7C9BC547-5DD1-4C2D-824C-59530324CC5D}" type="slidenum">
               <a:rPr kumimoji="1" lang="ja-JP" altLang="en-US" smtClean="0"/>
-              <a:t>‹#›</a:t>
+              <a:pPr/>
+              <a:t>&lt;#&gt;</a:t>
             </a:fld>
             <a:endParaRPr kumimoji="1" lang="ja-JP" altLang="en-US"/>
           </a:p>
@@ -1511,6 +2318,7 @@
           <a:p>
             <a:fld id="{11CCE281-936E-4570-AFCE-DB6E94A08206}" type="datetimeFigureOut">
               <a:rPr kumimoji="1" lang="ja-JP" altLang="en-US" smtClean="0"/>
+              <a:pPr/>
               <a:t>2014/6/9</a:t>
             </a:fld>
             <a:endParaRPr kumimoji="1" lang="ja-JP" altLang="en-US"/>
@@ -1534,7 +2342,8 @@
           <a:p>
             <a:fld id="{7C9BC547-5DD1-4C2D-824C-59530324CC5D}" type="slidenum">
               <a:rPr kumimoji="1" lang="ja-JP" altLang="en-US" smtClean="0"/>
-              <a:t>‹#›</a:t>
+              <a:pPr/>
+              <a:t>&lt;#&gt;</a:t>
             </a:fld>
             <a:endParaRPr kumimoji="1" lang="ja-JP" altLang="en-US"/>
           </a:p>
@@ -1858,6 +2667,7 @@
           <a:p>
             <a:fld id="{11CCE281-936E-4570-AFCE-DB6E94A08206}" type="datetimeFigureOut">
               <a:rPr kumimoji="1" lang="ja-JP" altLang="en-US" smtClean="0"/>
+              <a:pPr/>
               <a:t>2014/6/9</a:t>
             </a:fld>
             <a:endParaRPr kumimoji="1" lang="ja-JP" altLang="en-US"/>
@@ -1900,7 +2710,8 @@
           <a:p>
             <a:fld id="{7C9BC547-5DD1-4C2D-824C-59530324CC5D}" type="slidenum">
               <a:rPr kumimoji="1" lang="ja-JP" altLang="en-US" smtClean="0"/>
-              <a:t>‹#›</a:t>
+              <a:pPr/>
+              <a:t>&lt;#&gt;</a:t>
             </a:fld>
             <a:endParaRPr kumimoji="1" lang="ja-JP" altLang="en-US"/>
           </a:p>
@@ -2361,6 +3172,7 @@
           <a:p>
             <a:fld id="{11CCE281-936E-4570-AFCE-DB6E94A08206}" type="datetimeFigureOut">
               <a:rPr kumimoji="1" lang="ja-JP" altLang="en-US" smtClean="0"/>
+              <a:pPr/>
               <a:t>2014/6/9</a:t>
             </a:fld>
             <a:endParaRPr kumimoji="1" lang="ja-JP" altLang="en-US"/>
@@ -2403,7 +3215,8 @@
           <a:p>
             <a:fld id="{7C9BC547-5DD1-4C2D-824C-59530324CC5D}" type="slidenum">
               <a:rPr kumimoji="1" lang="ja-JP" altLang="en-US" smtClean="0"/>
-              <a:t>‹#›</a:t>
+              <a:pPr/>
+              <a:t>&lt;#&gt;</a:t>
             </a:fld>
             <a:endParaRPr kumimoji="1" lang="ja-JP" altLang="en-US"/>
           </a:p>
@@ -2474,6 +3287,7 @@
           <a:p>
             <a:fld id="{11CCE281-936E-4570-AFCE-DB6E94A08206}" type="datetimeFigureOut">
               <a:rPr kumimoji="1" lang="ja-JP" altLang="en-US" smtClean="0"/>
+              <a:pPr/>
               <a:t>2014/6/9</a:t>
             </a:fld>
             <a:endParaRPr kumimoji="1" lang="ja-JP" altLang="en-US"/>
@@ -2516,7 +3330,8 @@
           <a:p>
             <a:fld id="{7C9BC547-5DD1-4C2D-824C-59530324CC5D}" type="slidenum">
               <a:rPr kumimoji="1" lang="ja-JP" altLang="en-US" smtClean="0"/>
-              <a:t>‹#›</a:t>
+              <a:pPr/>
+              <a:t>&lt;#&gt;</a:t>
             </a:fld>
             <a:endParaRPr kumimoji="1" lang="ja-JP" altLang="en-US"/>
           </a:p>
@@ -2564,6 +3379,7 @@
           <a:p>
             <a:fld id="{11CCE281-936E-4570-AFCE-DB6E94A08206}" type="datetimeFigureOut">
               <a:rPr kumimoji="1" lang="ja-JP" altLang="en-US" smtClean="0"/>
+              <a:pPr/>
               <a:t>2014/6/9</a:t>
             </a:fld>
             <a:endParaRPr kumimoji="1" lang="ja-JP" altLang="en-US"/>
@@ -2606,7 +3422,8 @@
           <a:p>
             <a:fld id="{7C9BC547-5DD1-4C2D-824C-59530324CC5D}" type="slidenum">
               <a:rPr kumimoji="1" lang="ja-JP" altLang="en-US" smtClean="0"/>
-              <a:t>‹#›</a:t>
+              <a:pPr/>
+              <a:t>&lt;#&gt;</a:t>
             </a:fld>
             <a:endParaRPr kumimoji="1" lang="ja-JP" altLang="en-US"/>
           </a:p>
@@ -2838,6 +3655,7 @@
           <a:p>
             <a:fld id="{11CCE281-936E-4570-AFCE-DB6E94A08206}" type="datetimeFigureOut">
               <a:rPr kumimoji="1" lang="ja-JP" altLang="en-US" smtClean="0"/>
+              <a:pPr/>
               <a:t>2014/6/9</a:t>
             </a:fld>
             <a:endParaRPr kumimoji="1" lang="ja-JP" altLang="en-US"/>
@@ -2880,7 +3698,8 @@
           <a:p>
             <a:fld id="{7C9BC547-5DD1-4C2D-824C-59530324CC5D}" type="slidenum">
               <a:rPr kumimoji="1" lang="ja-JP" altLang="en-US" smtClean="0"/>
-              <a:t>‹#›</a:t>
+              <a:pPr/>
+              <a:t>&lt;#&gt;</a:t>
             </a:fld>
             <a:endParaRPr kumimoji="1" lang="ja-JP" altLang="en-US"/>
           </a:p>
@@ -3058,6 +3877,7 @@
           <a:p>
             <a:fld id="{11CCE281-936E-4570-AFCE-DB6E94A08206}" type="datetimeFigureOut">
               <a:rPr kumimoji="1" lang="ja-JP" altLang="en-US" smtClean="0"/>
+              <a:pPr/>
               <a:t>2014/6/9</a:t>
             </a:fld>
             <a:endParaRPr kumimoji="1" lang="ja-JP" altLang="en-US"/>
@@ -3100,7 +3920,8 @@
           <a:p>
             <a:fld id="{7C9BC547-5DD1-4C2D-824C-59530324CC5D}" type="slidenum">
               <a:rPr kumimoji="1" lang="ja-JP" altLang="en-US" smtClean="0"/>
-              <a:t>‹#›</a:t>
+              <a:pPr/>
+              <a:t>&lt;#&gt;</a:t>
             </a:fld>
             <a:endParaRPr kumimoji="1" lang="ja-JP" altLang="en-US"/>
           </a:p>
@@ -3109,7 +3930,7 @@
     </p:spTree>
     <p:extLst>
       <p:ext uri="{BB962C8B-B14F-4D97-AF65-F5344CB8AC3E}">
-        <p14:creationId xmlns:p14="http://schemas.microsoft.com/office/powerpoint/2010/main" val="1160442777"/>
+        <p14:creationId xmlns:p14="http://schemas.microsoft.com/office/powerpoint/2010/main" xmlns="" val="1160442777"/>
       </p:ext>
     </p:extLst>
   </p:cSld>
@@ -3334,6 +4155,7 @@
           <a:p>
             <a:fld id="{11CCE281-936E-4570-AFCE-DB6E94A08206}" type="datetimeFigureOut">
               <a:rPr kumimoji="1" lang="ja-JP" altLang="en-US" smtClean="0"/>
+              <a:pPr/>
               <a:t>2014/6/9</a:t>
             </a:fld>
             <a:endParaRPr kumimoji="1" lang="ja-JP" altLang="en-US"/>
@@ -3384,7 +4206,8 @@
           <a:p>
             <a:fld id="{7C9BC547-5DD1-4C2D-824C-59530324CC5D}" type="slidenum">
               <a:rPr kumimoji="1" lang="ja-JP" altLang="en-US" smtClean="0"/>
-              <a:t>‹#›</a:t>
+              <a:pPr/>
+              <a:t>&lt;#&gt;</a:t>
             </a:fld>
             <a:endParaRPr kumimoji="1" lang="ja-JP" altLang="en-US"/>
           </a:p>
@@ -3619,6 +4442,7 @@
           <a:p>
             <a:fld id="{11CCE281-936E-4570-AFCE-DB6E94A08206}" type="datetimeFigureOut">
               <a:rPr kumimoji="1" lang="ja-JP" altLang="en-US" smtClean="0"/>
+              <a:pPr/>
               <a:t>2014/6/9</a:t>
             </a:fld>
             <a:endParaRPr kumimoji="1" lang="ja-JP" altLang="en-US"/>
@@ -3661,7 +4485,8 @@
           <a:p>
             <a:fld id="{7C9BC547-5DD1-4C2D-824C-59530324CC5D}" type="slidenum">
               <a:rPr kumimoji="1" lang="ja-JP" altLang="en-US" smtClean="0"/>
-              <a:t>‹#›</a:t>
+              <a:pPr/>
+              <a:t>&lt;#&gt;</a:t>
             </a:fld>
             <a:endParaRPr kumimoji="1" lang="ja-JP" altLang="en-US"/>
           </a:p>
@@ -3826,6 +4651,7 @@
           <a:p>
             <a:fld id="{11CCE281-936E-4570-AFCE-DB6E94A08206}" type="datetimeFigureOut">
               <a:rPr kumimoji="1" lang="ja-JP" altLang="en-US" smtClean="0"/>
+              <a:pPr/>
               <a:t>2014/6/9</a:t>
             </a:fld>
             <a:endParaRPr kumimoji="1" lang="ja-JP" altLang="en-US"/>
@@ -3868,7 +4694,8 @@
           <a:p>
             <a:fld id="{7C9BC547-5DD1-4C2D-824C-59530324CC5D}" type="slidenum">
               <a:rPr kumimoji="1" lang="ja-JP" altLang="en-US" smtClean="0"/>
-              <a:t>‹#›</a:t>
+              <a:pPr/>
+              <a:t>&lt;#&gt;</a:t>
             </a:fld>
             <a:endParaRPr kumimoji="1" lang="ja-JP" altLang="en-US"/>
           </a:p>
@@ -4067,6 +4894,7 @@
           <a:p>
             <a:fld id="{11CCE281-936E-4570-AFCE-DB6E94A08206}" type="datetimeFigureOut">
               <a:rPr kumimoji="1" lang="ja-JP" altLang="en-US" smtClean="0"/>
+              <a:pPr/>
               <a:t>2014/6/9</a:t>
             </a:fld>
             <a:endParaRPr kumimoji="1" lang="ja-JP" altLang="en-US"/>
@@ -4109,7 +4937,8 @@
           <a:p>
             <a:fld id="{7C9BC547-5DD1-4C2D-824C-59530324CC5D}" type="slidenum">
               <a:rPr kumimoji="1" lang="ja-JP" altLang="en-US" smtClean="0"/>
-              <a:t>‹#›</a:t>
+              <a:pPr/>
+              <a:t>&lt;#&gt;</a:t>
             </a:fld>
             <a:endParaRPr kumimoji="1" lang="ja-JP" altLang="en-US"/>
           </a:p>
@@ -4118,7 +4947,7 @@
     </p:spTree>
     <p:extLst>
       <p:ext uri="{BB962C8B-B14F-4D97-AF65-F5344CB8AC3E}">
-        <p14:creationId xmlns:p14="http://schemas.microsoft.com/office/powerpoint/2010/main" val="1010835293"/>
+        <p14:creationId xmlns:p14="http://schemas.microsoft.com/office/powerpoint/2010/main" xmlns="" val="1010835293"/>
       </p:ext>
     </p:extLst>
   </p:cSld>
@@ -4419,6 +5248,7 @@
           <a:p>
             <a:fld id="{11CCE281-936E-4570-AFCE-DB6E94A08206}" type="datetimeFigureOut">
               <a:rPr kumimoji="1" lang="ja-JP" altLang="en-US" smtClean="0"/>
+              <a:pPr/>
               <a:t>2014/6/9</a:t>
             </a:fld>
             <a:endParaRPr kumimoji="1" lang="ja-JP" altLang="en-US"/>
@@ -4461,7 +5291,8 @@
           <a:p>
             <a:fld id="{7C9BC547-5DD1-4C2D-824C-59530324CC5D}" type="slidenum">
               <a:rPr kumimoji="1" lang="ja-JP" altLang="en-US" smtClean="0"/>
-              <a:t>‹#›</a:t>
+              <a:pPr/>
+              <a:t>&lt;#&gt;</a:t>
             </a:fld>
             <a:endParaRPr kumimoji="1" lang="ja-JP" altLang="en-US"/>
           </a:p>
@@ -4470,7 +5301,7 @@
     </p:spTree>
     <p:extLst>
       <p:ext uri="{BB962C8B-B14F-4D97-AF65-F5344CB8AC3E}">
-        <p14:creationId xmlns:p14="http://schemas.microsoft.com/office/powerpoint/2010/main" val="3369260255"/>
+        <p14:creationId xmlns:p14="http://schemas.microsoft.com/office/powerpoint/2010/main" xmlns="" val="3369260255"/>
       </p:ext>
     </p:extLst>
   </p:cSld>
@@ -4905,6 +5736,7 @@
           <a:p>
             <a:fld id="{11CCE281-936E-4570-AFCE-DB6E94A08206}" type="datetimeFigureOut">
               <a:rPr kumimoji="1" lang="ja-JP" altLang="en-US" smtClean="0"/>
+              <a:pPr/>
               <a:t>2014/6/9</a:t>
             </a:fld>
             <a:endParaRPr kumimoji="1" lang="ja-JP" altLang="en-US"/>
@@ -4947,7 +5779,8 @@
           <a:p>
             <a:fld id="{7C9BC547-5DD1-4C2D-824C-59530324CC5D}" type="slidenum">
               <a:rPr kumimoji="1" lang="ja-JP" altLang="en-US" smtClean="0"/>
-              <a:t>‹#›</a:t>
+              <a:pPr/>
+              <a:t>&lt;#&gt;</a:t>
             </a:fld>
             <a:endParaRPr kumimoji="1" lang="ja-JP" altLang="en-US"/>
           </a:p>
@@ -4956,7 +5789,7 @@
     </p:spTree>
     <p:extLst>
       <p:ext uri="{BB962C8B-B14F-4D97-AF65-F5344CB8AC3E}">
-        <p14:creationId xmlns:p14="http://schemas.microsoft.com/office/powerpoint/2010/main" val="2121462909"/>
+        <p14:creationId xmlns:p14="http://schemas.microsoft.com/office/powerpoint/2010/main" xmlns="" val="2121462909"/>
       </p:ext>
     </p:extLst>
   </p:cSld>
@@ -5023,6 +5856,7 @@
           <a:p>
             <a:fld id="{11CCE281-936E-4570-AFCE-DB6E94A08206}" type="datetimeFigureOut">
               <a:rPr kumimoji="1" lang="ja-JP" altLang="en-US" smtClean="0"/>
+              <a:pPr/>
               <a:t>2014/6/9</a:t>
             </a:fld>
             <a:endParaRPr kumimoji="1" lang="ja-JP" altLang="en-US"/>
@@ -5065,7 +5899,8 @@
           <a:p>
             <a:fld id="{7C9BC547-5DD1-4C2D-824C-59530324CC5D}" type="slidenum">
               <a:rPr kumimoji="1" lang="ja-JP" altLang="en-US" smtClean="0"/>
-              <a:t>‹#›</a:t>
+              <a:pPr/>
+              <a:t>&lt;#&gt;</a:t>
             </a:fld>
             <a:endParaRPr kumimoji="1" lang="ja-JP" altLang="en-US"/>
           </a:p>
@@ -5074,7 +5909,7 @@
     </p:spTree>
     <p:extLst>
       <p:ext uri="{BB962C8B-B14F-4D97-AF65-F5344CB8AC3E}">
-        <p14:creationId xmlns:p14="http://schemas.microsoft.com/office/powerpoint/2010/main" val="141760574"/>
+        <p14:creationId xmlns:p14="http://schemas.microsoft.com/office/powerpoint/2010/main" xmlns="" val="141760574"/>
       </p:ext>
     </p:extLst>
   </p:cSld>
@@ -5118,6 +5953,7 @@
           <a:p>
             <a:fld id="{11CCE281-936E-4570-AFCE-DB6E94A08206}" type="datetimeFigureOut">
               <a:rPr kumimoji="1" lang="ja-JP" altLang="en-US" smtClean="0"/>
+              <a:pPr/>
               <a:t>2014/6/9</a:t>
             </a:fld>
             <a:endParaRPr kumimoji="1" lang="ja-JP" altLang="en-US"/>
@@ -5160,7 +5996,8 @@
           <a:p>
             <a:fld id="{7C9BC547-5DD1-4C2D-824C-59530324CC5D}" type="slidenum">
               <a:rPr kumimoji="1" lang="ja-JP" altLang="en-US" smtClean="0"/>
-              <a:t>‹#›</a:t>
+              <a:pPr/>
+              <a:t>&lt;#&gt;</a:t>
             </a:fld>
             <a:endParaRPr kumimoji="1" lang="ja-JP" altLang="en-US"/>
           </a:p>
@@ -5169,7 +6006,7 @@
     </p:spTree>
     <p:extLst>
       <p:ext uri="{BB962C8B-B14F-4D97-AF65-F5344CB8AC3E}">
-        <p14:creationId xmlns:p14="http://schemas.microsoft.com/office/powerpoint/2010/main" val="2189670794"/>
+        <p14:creationId xmlns:p14="http://schemas.microsoft.com/office/powerpoint/2010/main" xmlns="" val="2189670794"/>
       </p:ext>
     </p:extLst>
   </p:cSld>
@@ -5427,6 +6264,7 @@
           <a:p>
             <a:fld id="{11CCE281-936E-4570-AFCE-DB6E94A08206}" type="datetimeFigureOut">
               <a:rPr kumimoji="1" lang="ja-JP" altLang="en-US" smtClean="0"/>
+              <a:pPr/>
               <a:t>2014/6/9</a:t>
             </a:fld>
             <a:endParaRPr kumimoji="1" lang="ja-JP" altLang="en-US"/>
@@ -5469,7 +6307,8 @@
           <a:p>
             <a:fld id="{7C9BC547-5DD1-4C2D-824C-59530324CC5D}" type="slidenum">
               <a:rPr kumimoji="1" lang="ja-JP" altLang="en-US" smtClean="0"/>
-              <a:t>‹#›</a:t>
+              <a:pPr/>
+              <a:t>&lt;#&gt;</a:t>
             </a:fld>
             <a:endParaRPr kumimoji="1" lang="ja-JP" altLang="en-US"/>
           </a:p>
@@ -5478,7 +6317,7 @@
     </p:spTree>
     <p:extLst>
       <p:ext uri="{BB962C8B-B14F-4D97-AF65-F5344CB8AC3E}">
-        <p14:creationId xmlns:p14="http://schemas.microsoft.com/office/powerpoint/2010/main" val="32412227"/>
+        <p14:creationId xmlns:p14="http://schemas.microsoft.com/office/powerpoint/2010/main" xmlns="" val="32412227"/>
       </p:ext>
     </p:extLst>
   </p:cSld>
@@ -5680,6 +6519,7 @@
           <a:p>
             <a:fld id="{11CCE281-936E-4570-AFCE-DB6E94A08206}" type="datetimeFigureOut">
               <a:rPr kumimoji="1" lang="ja-JP" altLang="en-US" smtClean="0"/>
+              <a:pPr/>
               <a:t>2014/6/9</a:t>
             </a:fld>
             <a:endParaRPr kumimoji="1" lang="ja-JP" altLang="en-US"/>
@@ -5722,7 +6562,8 @@
           <a:p>
             <a:fld id="{7C9BC547-5DD1-4C2D-824C-59530324CC5D}" type="slidenum">
               <a:rPr kumimoji="1" lang="ja-JP" altLang="en-US" smtClean="0"/>
-              <a:t>‹#›</a:t>
+              <a:pPr/>
+              <a:t>&lt;#&gt;</a:t>
             </a:fld>
             <a:endParaRPr kumimoji="1" lang="ja-JP" altLang="en-US"/>
           </a:p>
@@ -5731,7 +6572,7 @@
     </p:spTree>
     <p:extLst>
       <p:ext uri="{BB962C8B-B14F-4D97-AF65-F5344CB8AC3E}">
-        <p14:creationId xmlns:p14="http://schemas.microsoft.com/office/powerpoint/2010/main" val="2045802534"/>
+        <p14:creationId xmlns:p14="http://schemas.microsoft.com/office/powerpoint/2010/main" xmlns="" val="2045802534"/>
       </p:ext>
     </p:extLst>
   </p:cSld>
@@ -5925,6 +6766,7 @@
           <a:p>
             <a:fld id="{11CCE281-936E-4570-AFCE-DB6E94A08206}" type="datetimeFigureOut">
               <a:rPr kumimoji="1" lang="ja-JP" altLang="en-US" smtClean="0"/>
+              <a:pPr/>
               <a:t>2014/6/9</a:t>
             </a:fld>
             <a:endParaRPr kumimoji="1" lang="ja-JP" altLang="en-US"/>
@@ -6003,7 +6845,8 @@
           <a:p>
             <a:fld id="{7C9BC547-5DD1-4C2D-824C-59530324CC5D}" type="slidenum">
               <a:rPr kumimoji="1" lang="ja-JP" altLang="en-US" smtClean="0"/>
-              <a:t>‹#›</a:t>
+              <a:pPr/>
+              <a:t>&lt;#&gt;</a:t>
             </a:fld>
             <a:endParaRPr kumimoji="1" lang="ja-JP" altLang="en-US"/>
           </a:p>
@@ -6012,7 +6855,7 @@
     </p:spTree>
     <p:extLst>
       <p:ext uri="{BB962C8B-B14F-4D97-AF65-F5344CB8AC3E}">
-        <p14:creationId xmlns:p14="http://schemas.microsoft.com/office/powerpoint/2010/main" val="1604903924"/>
+        <p14:creationId xmlns:p14="http://schemas.microsoft.com/office/powerpoint/2010/main" xmlns="" val="1604903924"/>
       </p:ext>
     </p:extLst>
   </p:cSld>
@@ -6465,6 +7308,7 @@
           <a:p>
             <a:fld id="{11CCE281-936E-4570-AFCE-DB6E94A08206}" type="datetimeFigureOut">
               <a:rPr kumimoji="1" lang="ja-JP" altLang="en-US" smtClean="0"/>
+              <a:pPr/>
               <a:t>2014/6/9</a:t>
             </a:fld>
             <a:endParaRPr kumimoji="1" lang="ja-JP" altLang="en-US"/>
@@ -6539,7 +7383,8 @@
           <a:p>
             <a:fld id="{7C9BC547-5DD1-4C2D-824C-59530324CC5D}" type="slidenum">
               <a:rPr kumimoji="1" lang="ja-JP" altLang="en-US" smtClean="0"/>
-              <a:t>‹#›</a:t>
+              <a:pPr/>
+              <a:t>&lt;#&gt;</a:t>
             </a:fld>
             <a:endParaRPr kumimoji="1" lang="ja-JP" altLang="en-US"/>
           </a:p>
@@ -6995,7 +7840,7 @@
     </p:spTree>
     <p:extLst>
       <p:ext uri="{BB962C8B-B14F-4D97-AF65-F5344CB8AC3E}">
-        <p14:creationId xmlns:p14="http://schemas.microsoft.com/office/powerpoint/2010/main" val="914981044"/>
+        <p14:creationId xmlns:p14="http://schemas.microsoft.com/office/powerpoint/2010/main" xmlns="" val="914981044"/>
       </p:ext>
     </p:extLst>
   </p:cSld>
@@ -7156,7 +8001,7 @@
     </p:spTree>
     <p:extLst>
       <p:ext uri="{BB962C8B-B14F-4D97-AF65-F5344CB8AC3E}">
-        <p14:creationId xmlns:p14="http://schemas.microsoft.com/office/powerpoint/2010/main" val="2429130994"/>
+        <p14:creationId xmlns:p14="http://schemas.microsoft.com/office/powerpoint/2010/main" xmlns="" val="2429130994"/>
       </p:ext>
     </p:extLst>
   </p:cSld>
@@ -7263,7 +8108,7 @@
     </p:spTree>
     <p:extLst>
       <p:ext uri="{BB962C8B-B14F-4D97-AF65-F5344CB8AC3E}">
-        <p14:creationId xmlns:p14="http://schemas.microsoft.com/office/powerpoint/2010/main" val="2358432031"/>
+        <p14:creationId xmlns:p14="http://schemas.microsoft.com/office/powerpoint/2010/main" xmlns="" val="2358432031"/>
       </p:ext>
     </p:extLst>
   </p:cSld>
@@ -7346,7 +8191,7 @@
     </p:spTree>
     <p:extLst>
       <p:ext uri="{BB962C8B-B14F-4D97-AF65-F5344CB8AC3E}">
-        <p14:creationId xmlns:p14="http://schemas.microsoft.com/office/powerpoint/2010/main" val="1536772820"/>
+        <p14:creationId xmlns:p14="http://schemas.microsoft.com/office/powerpoint/2010/main" xmlns="" val="1536772820"/>
       </p:ext>
     </p:extLst>
   </p:cSld>
@@ -7459,7 +8304,15 @@
             </a:r>
             <a:r>
               <a:rPr lang="ja-JP" altLang="en-US" dirty="0" smtClean="0"/>
-              <a:t>の現状の能力の把握と向上のため</a:t>
+              <a:t>の現状の能力の</a:t>
+            </a:r>
+            <a:r>
+              <a:rPr lang="ja-JP" altLang="en-US" dirty="0" smtClean="0"/>
+              <a:t>把握をしてもらうことと能力の向上</a:t>
+            </a:r>
+            <a:r>
+              <a:rPr lang="ja-JP" altLang="en-US" dirty="0" smtClean="0"/>
+              <a:t>のため</a:t>
             </a:r>
             <a:endParaRPr lang="en-US" altLang="ja-JP" dirty="0" smtClean="0"/>
           </a:p>
@@ -7481,7 +8334,7 @@
           <a:p>
             <a:r>
               <a:rPr kumimoji="1" lang="ja-JP" altLang="en-US" dirty="0" smtClean="0"/>
-              <a:t>手順</a:t>
+              <a:t>流れ</a:t>
             </a:r>
             <a:endParaRPr kumimoji="1" lang="en-US" altLang="ja-JP" dirty="0" smtClean="0"/>
           </a:p>
@@ -7514,7 +8367,7 @@
     </p:spTree>
     <p:extLst>
       <p:ext uri="{BB962C8B-B14F-4D97-AF65-F5344CB8AC3E}">
-        <p14:creationId xmlns:p14="http://schemas.microsoft.com/office/powerpoint/2010/main" val="1090366995"/>
+        <p14:creationId xmlns:p14="http://schemas.microsoft.com/office/powerpoint/2010/main" xmlns="" val="1090366995"/>
       </p:ext>
     </p:extLst>
   </p:cSld>
@@ -7602,7 +8455,23 @@
             <a:pPr lvl="1"/>
             <a:r>
               <a:rPr kumimoji="1" lang="ja-JP" altLang="en-US" dirty="0" smtClean="0"/>
-              <a:t>環境の準備と設計（外部の研修や新卒共通の課題があったため週に２時間程度）</a:t>
+              <a:t>環境の準備と設計（外部の研修や新卒共通の課題があったため週</a:t>
+            </a:r>
+            <a:r>
+              <a:rPr kumimoji="1" lang="ja-JP" altLang="en-US" dirty="0" smtClean="0"/>
+              <a:t>に</a:t>
+            </a:r>
+            <a:r>
+              <a:rPr kumimoji="1" lang="en-US" altLang="ja-JP" dirty="0" smtClean="0"/>
+              <a:t>1</a:t>
+            </a:r>
+            <a:r>
+              <a:rPr kumimoji="1" lang="ja-JP" altLang="en-US" dirty="0" smtClean="0"/>
+              <a:t>時間</a:t>
+            </a:r>
+            <a:r>
+              <a:rPr kumimoji="1" lang="ja-JP" altLang="en-US" dirty="0" smtClean="0"/>
+              <a:t>程度）</a:t>
             </a:r>
             <a:endParaRPr kumimoji="1" lang="en-US" altLang="ja-JP" dirty="0" smtClean="0"/>
           </a:p>
@@ -7669,7 +8538,7 @@
     </p:spTree>
     <p:extLst>
       <p:ext uri="{BB962C8B-B14F-4D97-AF65-F5344CB8AC3E}">
-        <p14:creationId xmlns:p14="http://schemas.microsoft.com/office/powerpoint/2010/main" val="3386314878"/>
+        <p14:creationId xmlns:p14="http://schemas.microsoft.com/office/powerpoint/2010/main" xmlns="" val="3386314878"/>
       </p:ext>
     </p:extLst>
   </p:cSld>
@@ -7748,7 +8617,7 @@
     </p:spTree>
     <p:extLst>
       <p:ext uri="{BB962C8B-B14F-4D97-AF65-F5344CB8AC3E}">
-        <p14:creationId xmlns:p14="http://schemas.microsoft.com/office/powerpoint/2010/main" val="4160022656"/>
+        <p14:creationId xmlns:p14="http://schemas.microsoft.com/office/powerpoint/2010/main" xmlns="" val="4160022656"/>
       </p:ext>
     </p:extLst>
   </p:cSld>
@@ -7902,17 +8771,27 @@
               <a:t>オーバーライドされた関数に</a:t>
             </a:r>
             <a:r>
-              <a:rPr lang="en-US" altLang="ja-JP" smtClean="0"/>
+              <a:rPr lang="en-US" altLang="ja-JP" dirty="0" smtClean="0"/>
               <a:t>virtual</a:t>
             </a:r>
-            <a:endParaRPr kumimoji="1" lang="ja-JP" altLang="en-US"/>
+          </a:p>
+          <a:p>
+            <a:r>
+              <a:rPr kumimoji="1" lang="ja-JP" altLang="en-US" dirty="0" smtClean="0"/>
+              <a:t>一時変数にも</a:t>
+            </a:r>
+            <a:r>
+              <a:rPr kumimoji="1" lang="en-US" altLang="ja-JP" dirty="0" smtClean="0"/>
+              <a:t>const</a:t>
+            </a:r>
+            <a:endParaRPr kumimoji="1" lang="ja-JP" altLang="en-US" dirty="0"/>
           </a:p>
         </p:txBody>
       </p:sp>
     </p:spTree>
     <p:extLst>
       <p:ext uri="{BB962C8B-B14F-4D97-AF65-F5344CB8AC3E}">
-        <p14:creationId xmlns:p14="http://schemas.microsoft.com/office/powerpoint/2010/main" val="2147131199"/>
+        <p14:creationId xmlns:p14="http://schemas.microsoft.com/office/powerpoint/2010/main" xmlns="" val="2147131199"/>
       </p:ext>
     </p:extLst>
   </p:cSld>
@@ -7984,14 +8863,14 @@
           <a:bodyPr/>
           <a:lstStyle/>
           <a:p>
-            <a:endParaRPr kumimoji="1" lang="ja-JP" altLang="en-US"/>
+            <a:endParaRPr kumimoji="1" lang="ja-JP" altLang="en-US" dirty="0"/>
           </a:p>
         </p:txBody>
       </p:sp>
     </p:spTree>
     <p:extLst>
       <p:ext uri="{BB962C8B-B14F-4D97-AF65-F5344CB8AC3E}">
-        <p14:creationId xmlns:p14="http://schemas.microsoft.com/office/powerpoint/2010/main" val="45023432"/>
+        <p14:creationId xmlns:p14="http://schemas.microsoft.com/office/powerpoint/2010/main" xmlns="" val="45023432"/>
       </p:ext>
     </p:extLst>
   </p:cSld>
@@ -8544,4 +9423,287 @@
   <a:objectDefaults/>
   <a:extraClrSchemeLst/>
 </a:theme>
+</file>
+
+<file path=ppt/theme/theme3.xml><?xml version="1.0" encoding="utf-8"?>
+<a:theme xmlns:a="http://schemas.openxmlformats.org/drawingml/2006/main" name="Office テーマ">
+  <a:themeElements>
+    <a:clrScheme name="Office">
+      <a:dk1>
+        <a:sysClr val="windowText" lastClr="000000"/>
+      </a:dk1>
+      <a:lt1>
+        <a:sysClr val="window" lastClr="FFFFFF"/>
+      </a:lt1>
+      <a:dk2>
+        <a:srgbClr val="1F497D"/>
+      </a:dk2>
+      <a:lt2>
+        <a:srgbClr val="EEECE1"/>
+      </a:lt2>
+      <a:accent1>
+        <a:srgbClr val="4F81BD"/>
+      </a:accent1>
+      <a:accent2>
+        <a:srgbClr val="C0504D"/>
+      </a:accent2>
+      <a:accent3>
+        <a:srgbClr val="9BBB59"/>
+      </a:accent3>
+      <a:accent4>
+        <a:srgbClr val="8064A2"/>
+      </a:accent4>
+      <a:accent5>
+        <a:srgbClr val="4BACC6"/>
+      </a:accent5>
+      <a:accent6>
+        <a:srgbClr val="F79646"/>
+      </a:accent6>
+      <a:hlink>
+        <a:srgbClr val="0000FF"/>
+      </a:hlink>
+      <a:folHlink>
+        <a:srgbClr val="800080"/>
+      </a:folHlink>
+    </a:clrScheme>
+    <a:fontScheme name="Office">
+      <a:majorFont>
+        <a:latin typeface="Calibri"/>
+        <a:ea typeface=""/>
+        <a:cs typeface=""/>
+        <a:font script="Jpan" typeface="ＭＳ Ｐゴシック"/>
+        <a:font script="Hang" typeface="맑은 고딕"/>
+        <a:font script="Hans" typeface="宋体"/>
+        <a:font script="Hant" typeface="新細明體"/>
+        <a:font script="Arab" typeface="Times New Roman"/>
+        <a:font script="Hebr" typeface="Times New Roman"/>
+        <a:font script="Thai" typeface="Angsana New"/>
+        <a:font script="Ethi" typeface="Nyala"/>
+        <a:font script="Beng" typeface="Vrinda"/>
+        <a:font script="Gujr" typeface="Shruti"/>
+        <a:font script="Khmr" typeface="MoolBoran"/>
+        <a:font script="Knda" typeface="Tunga"/>
+        <a:font script="Guru" typeface="Raavi"/>
+        <a:font script="Cans" typeface="Euphemia"/>
+        <a:font script="Cher" typeface="Plantagenet Cherokee"/>
+        <a:font script="Yiii" typeface="Microsoft Yi Baiti"/>
+        <a:font script="Tibt" typeface="Microsoft Himalaya"/>
+        <a:font script="Thaa" typeface="MV Boli"/>
+        <a:font script="Deva" typeface="Mangal"/>
+        <a:font script="Telu" typeface="Gautami"/>
+        <a:font script="Taml" typeface="Latha"/>
+        <a:font script="Syrc" typeface="Estrangelo Edessa"/>
+        <a:font script="Orya" typeface="Kalinga"/>
+        <a:font script="Mlym" typeface="Kartika"/>
+        <a:font script="Laoo" typeface="DokChampa"/>
+        <a:font script="Sinh" typeface="Iskoola Pota"/>
+        <a:font script="Mong" typeface="Mongolian Baiti"/>
+        <a:font script="Viet" typeface="Times New Roman"/>
+        <a:font script="Uigh" typeface="Microsoft Uighur"/>
+      </a:majorFont>
+      <a:minorFont>
+        <a:latin typeface="Calibri"/>
+        <a:ea typeface=""/>
+        <a:cs typeface=""/>
+        <a:font script="Jpan" typeface="ＭＳ Ｐゴシック"/>
+        <a:font script="Hang" typeface="맑은 고딕"/>
+        <a:font script="Hans" typeface="宋体"/>
+        <a:font script="Hant" typeface="新細明體"/>
+        <a:font script="Arab" typeface="Arial"/>
+        <a:font script="Hebr" typeface="Arial"/>
+        <a:font script="Thai" typeface="Cordia New"/>
+        <a:font script="Ethi" typeface="Nyala"/>
+        <a:font script="Beng" typeface="Vrinda"/>
+        <a:font script="Gujr" typeface="Shruti"/>
+        <a:font script="Khmr" typeface="DaunPenh"/>
+        <a:font script="Knda" typeface="Tunga"/>
+        <a:font script="Guru" typeface="Raavi"/>
+        <a:font script="Cans" typeface="Euphemia"/>
+        <a:font script="Cher" typeface="Plantagenet Cherokee"/>
+        <a:font script="Yiii" typeface="Microsoft Yi Baiti"/>
+        <a:font script="Tibt" typeface="Microsoft Himalaya"/>
+        <a:font script="Thaa" typeface="MV Boli"/>
+        <a:font script="Deva" typeface="Mangal"/>
+        <a:font script="Telu" typeface="Gautami"/>
+        <a:font script="Taml" typeface="Latha"/>
+        <a:font script="Syrc" typeface="Estrangelo Edessa"/>
+        <a:font script="Orya" typeface="Kalinga"/>
+        <a:font script="Mlym" typeface="Kartika"/>
+        <a:font script="Laoo" typeface="DokChampa"/>
+        <a:font script="Sinh" typeface="Iskoola Pota"/>
+        <a:font script="Mong" typeface="Mongolian Baiti"/>
+        <a:font script="Viet" typeface="Arial"/>
+        <a:font script="Uigh" typeface="Microsoft Uighur"/>
+      </a:minorFont>
+    </a:fontScheme>
+    <a:fmtScheme name="Office">
+      <a:fillStyleLst>
+        <a:solidFill>
+          <a:schemeClr val="phClr"/>
+        </a:solidFill>
+        <a:gradFill rotWithShape="1">
+          <a:gsLst>
+            <a:gs pos="0">
+              <a:schemeClr val="phClr">
+                <a:tint val="50000"/>
+                <a:satMod val="300000"/>
+              </a:schemeClr>
+            </a:gs>
+            <a:gs pos="35000">
+              <a:schemeClr val="phClr">
+                <a:tint val="37000"/>
+                <a:satMod val="300000"/>
+              </a:schemeClr>
+            </a:gs>
+            <a:gs pos="100000">
+              <a:schemeClr val="phClr">
+                <a:tint val="15000"/>
+                <a:satMod val="350000"/>
+              </a:schemeClr>
+            </a:gs>
+          </a:gsLst>
+          <a:lin ang="16200000" scaled="1"/>
+        </a:gradFill>
+        <a:gradFill rotWithShape="1">
+          <a:gsLst>
+            <a:gs pos="0">
+              <a:schemeClr val="phClr">
+                <a:shade val="51000"/>
+                <a:satMod val="130000"/>
+              </a:schemeClr>
+            </a:gs>
+            <a:gs pos="80000">
+              <a:schemeClr val="phClr">
+                <a:shade val="93000"/>
+                <a:satMod val="130000"/>
+              </a:schemeClr>
+            </a:gs>
+            <a:gs pos="100000">
+              <a:schemeClr val="phClr">
+                <a:shade val="94000"/>
+                <a:satMod val="135000"/>
+              </a:schemeClr>
+            </a:gs>
+          </a:gsLst>
+          <a:lin ang="16200000" scaled="0"/>
+        </a:gradFill>
+      </a:fillStyleLst>
+      <a:lnStyleLst>
+        <a:ln w="9525" cap="flat" cmpd="sng" algn="ctr">
+          <a:solidFill>
+            <a:schemeClr val="phClr">
+              <a:shade val="95000"/>
+              <a:satMod val="105000"/>
+            </a:schemeClr>
+          </a:solidFill>
+          <a:prstDash val="solid"/>
+        </a:ln>
+        <a:ln w="25400" cap="flat" cmpd="sng" algn="ctr">
+          <a:solidFill>
+            <a:schemeClr val="phClr"/>
+          </a:solidFill>
+          <a:prstDash val="solid"/>
+        </a:ln>
+        <a:ln w="38100" cap="flat" cmpd="sng" algn="ctr">
+          <a:solidFill>
+            <a:schemeClr val="phClr"/>
+          </a:solidFill>
+          <a:prstDash val="solid"/>
+        </a:ln>
+      </a:lnStyleLst>
+      <a:effectStyleLst>
+        <a:effectStyle>
+          <a:effectLst>
+            <a:outerShdw blurRad="40000" dist="20000" dir="5400000" rotWithShape="0">
+              <a:srgbClr val="000000">
+                <a:alpha val="38000"/>
+              </a:srgbClr>
+            </a:outerShdw>
+          </a:effectLst>
+        </a:effectStyle>
+        <a:effectStyle>
+          <a:effectLst>
+            <a:outerShdw blurRad="40000" dist="23000" dir="5400000" rotWithShape="0">
+              <a:srgbClr val="000000">
+                <a:alpha val="35000"/>
+              </a:srgbClr>
+            </a:outerShdw>
+          </a:effectLst>
+        </a:effectStyle>
+        <a:effectStyle>
+          <a:effectLst>
+            <a:outerShdw blurRad="40000" dist="23000" dir="5400000" rotWithShape="0">
+              <a:srgbClr val="000000">
+                <a:alpha val="35000"/>
+              </a:srgbClr>
+            </a:outerShdw>
+          </a:effectLst>
+          <a:scene3d>
+            <a:camera prst="orthographicFront">
+              <a:rot lat="0" lon="0" rev="0"/>
+            </a:camera>
+            <a:lightRig rig="threePt" dir="t">
+              <a:rot lat="0" lon="0" rev="1200000"/>
+            </a:lightRig>
+          </a:scene3d>
+          <a:sp3d>
+            <a:bevelT w="63500" h="25400"/>
+          </a:sp3d>
+        </a:effectStyle>
+      </a:effectStyleLst>
+      <a:bgFillStyleLst>
+        <a:solidFill>
+          <a:schemeClr val="phClr"/>
+        </a:solidFill>
+        <a:gradFill rotWithShape="1">
+          <a:gsLst>
+            <a:gs pos="0">
+              <a:schemeClr val="phClr">
+                <a:tint val="40000"/>
+                <a:satMod val="350000"/>
+              </a:schemeClr>
+            </a:gs>
+            <a:gs pos="40000">
+              <a:schemeClr val="phClr">
+                <a:tint val="45000"/>
+                <a:shade val="99000"/>
+                <a:satMod val="350000"/>
+              </a:schemeClr>
+            </a:gs>
+            <a:gs pos="100000">
+              <a:schemeClr val="phClr">
+                <a:shade val="20000"/>
+                <a:satMod val="255000"/>
+              </a:schemeClr>
+            </a:gs>
+          </a:gsLst>
+          <a:path path="circle">
+            <a:fillToRect l="50000" t="-80000" r="50000" b="180000"/>
+          </a:path>
+        </a:gradFill>
+        <a:gradFill rotWithShape="1">
+          <a:gsLst>
+            <a:gs pos="0">
+              <a:schemeClr val="phClr">
+                <a:tint val="80000"/>
+                <a:satMod val="300000"/>
+              </a:schemeClr>
+            </a:gs>
+            <a:gs pos="100000">
+              <a:schemeClr val="phClr">
+                <a:shade val="30000"/>
+                <a:satMod val="200000"/>
+              </a:schemeClr>
+            </a:gs>
+          </a:gsLst>
+          <a:path path="circle">
+            <a:fillToRect l="50000" t="50000" r="50000" b="50000"/>
+          </a:path>
+        </a:gradFill>
+      </a:bgFillStyleLst>
+    </a:fmtScheme>
+  </a:themeElements>
+  <a:objectDefaults/>
+  <a:extraClrSchemeLst/>
+</a:theme>
 </file>